--- a/Notebooks/ppt/P02-Statistics.pptx
+++ b/Notebooks/ppt/P02-Statistics.pptx
@@ -5,26 +5,28 @@
     <p:sldMasterId id="2147483660" r:id="rId1"/>
   </p:sldMasterIdLst>
   <p:notesMasterIdLst>
-    <p:notesMasterId r:id="rId19"/>
+    <p:notesMasterId r:id="rId21"/>
   </p:notesMasterIdLst>
   <p:sldIdLst>
     <p:sldId id="256" r:id="rId2"/>
     <p:sldId id="320" r:id="rId3"/>
-    <p:sldId id="321" r:id="rId4"/>
-    <p:sldId id="322" r:id="rId5"/>
-    <p:sldId id="323" r:id="rId6"/>
-    <p:sldId id="324" r:id="rId7"/>
-    <p:sldId id="325" r:id="rId8"/>
-    <p:sldId id="326" r:id="rId9"/>
-    <p:sldId id="327" r:id="rId10"/>
-    <p:sldId id="328" r:id="rId11"/>
-    <p:sldId id="329" r:id="rId12"/>
-    <p:sldId id="330" r:id="rId13"/>
-    <p:sldId id="331" r:id="rId14"/>
-    <p:sldId id="332" r:id="rId15"/>
-    <p:sldId id="333" r:id="rId16"/>
-    <p:sldId id="334" r:id="rId17"/>
-    <p:sldId id="335" r:id="rId18"/>
+    <p:sldId id="336" r:id="rId4"/>
+    <p:sldId id="321" r:id="rId5"/>
+    <p:sldId id="322" r:id="rId6"/>
+    <p:sldId id="323" r:id="rId7"/>
+    <p:sldId id="324" r:id="rId8"/>
+    <p:sldId id="325" r:id="rId9"/>
+    <p:sldId id="326" r:id="rId10"/>
+    <p:sldId id="327" r:id="rId11"/>
+    <p:sldId id="328" r:id="rId12"/>
+    <p:sldId id="329" r:id="rId13"/>
+    <p:sldId id="330" r:id="rId14"/>
+    <p:sldId id="331" r:id="rId15"/>
+    <p:sldId id="332" r:id="rId16"/>
+    <p:sldId id="333" r:id="rId17"/>
+    <p:sldId id="337" r:id="rId18"/>
+    <p:sldId id="334" r:id="rId19"/>
+    <p:sldId id="335" r:id="rId20"/>
   </p:sldIdLst>
   <p:sldSz cx="12192000" cy="6858000"/>
   <p:notesSz cx="6858000" cy="9144000"/>
@@ -4863,7 +4865,7 @@
           <p:cNvPr id="4" name="Content Placeholder 3">
             <a:extLst>
               <a:ext uri="{FF2B5EF4-FFF2-40B4-BE49-F238E27FC236}">
-                <a16:creationId xmlns:a16="http://schemas.microsoft.com/office/drawing/2014/main" id="{3073D4D7-7B97-194D-862C-9BE2B3ED666F}"/>
+                <a16:creationId xmlns:a16="http://schemas.microsoft.com/office/drawing/2014/main" id="{052F0AB5-FCED-DB4C-86AF-324CE869AE44}"/>
               </a:ext>
             </a:extLst>
           </p:cNvPr>
@@ -4882,8 +4884,8 @@
         </p:blipFill>
         <p:spPr>
           <a:xfrm>
-            <a:off x="350044" y="1726930"/>
-            <a:ext cx="11491912" cy="2450052"/>
+            <a:off x="339080" y="757677"/>
+            <a:ext cx="11491912" cy="1813273"/>
           </a:xfrm>
           <a:prstGeom prst="rect">
             <a:avLst/>
@@ -4895,7 +4897,7 @@
           <p:cNvPr id="3" name="Title 2">
             <a:extLst>
               <a:ext uri="{FF2B5EF4-FFF2-40B4-BE49-F238E27FC236}">
-                <a16:creationId xmlns:a16="http://schemas.microsoft.com/office/drawing/2014/main" id="{BA9CEA37-4BF9-4941-A767-DED67F031D02}"/>
+                <a16:creationId xmlns:a16="http://schemas.microsoft.com/office/drawing/2014/main" id="{48E28A67-5EEB-5F4D-9511-12FF47D8BEA5}"/>
               </a:ext>
             </a:extLst>
           </p:cNvPr>
@@ -4915,15 +4917,45 @@
           <a:p>
             <a:r>
               <a:rPr lang="en-KR"/>
-              <a:t>Photon counting in astronomy</a:t>
-            </a:r>
-          </a:p>
-        </p:txBody>
-      </p:sp>
+              <a:t>Relationships</a:t>
+            </a:r>
+          </a:p>
+        </p:txBody>
+      </p:sp>
+      <p:pic>
+        <p:nvPicPr>
+          <p:cNvPr id="5" name="Picture 4">
+            <a:extLst>
+              <a:ext uri="{FF2B5EF4-FFF2-40B4-BE49-F238E27FC236}">
+                <a16:creationId xmlns:a16="http://schemas.microsoft.com/office/drawing/2014/main" id="{4830C79D-4168-4F4C-8A1C-DD0617F5DE8D}"/>
+              </a:ext>
+            </a:extLst>
+          </p:cNvPr>
+          <p:cNvPicPr>
+            <a:picLocks noChangeAspect="1"/>
+          </p:cNvPicPr>
+          <p:nvPr/>
+        </p:nvPicPr>
+        <p:blipFill>
+          <a:blip r:embed="rId3"/>
+          <a:stretch>
+            <a:fillRect/>
+          </a:stretch>
+        </p:blipFill>
+        <p:spPr>
+          <a:xfrm>
+            <a:off x="213409" y="2492248"/>
+            <a:ext cx="11818715" cy="4171311"/>
+          </a:xfrm>
+          <a:prstGeom prst="rect">
+            <a:avLst/>
+          </a:prstGeom>
+        </p:spPr>
+      </p:pic>
     </p:spTree>
     <p:extLst>
       <p:ext uri="{BB962C8B-B14F-4D97-AF65-F5344CB8AC3E}">
-        <p14:creationId xmlns:p14="http://schemas.microsoft.com/office/powerpoint/2010/main" val="3659152005"/>
+        <p14:creationId xmlns:p14="http://schemas.microsoft.com/office/powerpoint/2010/main" val="1306695883"/>
       </p:ext>
     </p:extLst>
   </p:cSld>
@@ -4955,7 +4987,7 @@
           <p:cNvPr id="4" name="Content Placeholder 3">
             <a:extLst>
               <a:ext uri="{FF2B5EF4-FFF2-40B4-BE49-F238E27FC236}">
-                <a16:creationId xmlns:a16="http://schemas.microsoft.com/office/drawing/2014/main" id="{FB493E1D-D234-DF47-9997-61EABB63EA95}"/>
+                <a16:creationId xmlns:a16="http://schemas.microsoft.com/office/drawing/2014/main" id="{3073D4D7-7B97-194D-862C-9BE2B3ED666F}"/>
               </a:ext>
             </a:extLst>
           </p:cNvPr>
@@ -4974,8 +5006,8 @@
         </p:blipFill>
         <p:spPr>
           <a:xfrm>
-            <a:off x="360363" y="1570557"/>
-            <a:ext cx="11491912" cy="3981999"/>
+            <a:off x="350044" y="1726930"/>
+            <a:ext cx="11491912" cy="2450052"/>
           </a:xfrm>
           <a:prstGeom prst="rect">
             <a:avLst/>
@@ -4987,7 +5019,7 @@
           <p:cNvPr id="3" name="Title 2">
             <a:extLst>
               <a:ext uri="{FF2B5EF4-FFF2-40B4-BE49-F238E27FC236}">
-                <a16:creationId xmlns:a16="http://schemas.microsoft.com/office/drawing/2014/main" id="{A71E797D-F5DE-6748-8987-76D751CF2416}"/>
+                <a16:creationId xmlns:a16="http://schemas.microsoft.com/office/drawing/2014/main" id="{BA9CEA37-4BF9-4941-A767-DED67F031D02}"/>
               </a:ext>
             </a:extLst>
           </p:cNvPr>
@@ -5015,7 +5047,7 @@
     </p:spTree>
     <p:extLst>
       <p:ext uri="{BB962C8B-B14F-4D97-AF65-F5344CB8AC3E}">
-        <p14:creationId xmlns:p14="http://schemas.microsoft.com/office/powerpoint/2010/main" val="2741903249"/>
+        <p14:creationId xmlns:p14="http://schemas.microsoft.com/office/powerpoint/2010/main" val="3659152005"/>
       </p:ext>
     </p:extLst>
   </p:cSld>
@@ -5047,7 +5079,7 @@
           <p:cNvPr id="4" name="Content Placeholder 3">
             <a:extLst>
               <a:ext uri="{FF2B5EF4-FFF2-40B4-BE49-F238E27FC236}">
-                <a16:creationId xmlns:a16="http://schemas.microsoft.com/office/drawing/2014/main" id="{563FD342-8A04-DD46-9784-1A49078F3D15}"/>
+                <a16:creationId xmlns:a16="http://schemas.microsoft.com/office/drawing/2014/main" id="{FB493E1D-D234-DF47-9997-61EABB63EA95}"/>
               </a:ext>
             </a:extLst>
           </p:cNvPr>
@@ -5066,8 +5098,8 @@
         </p:blipFill>
         <p:spPr>
           <a:xfrm>
-            <a:off x="360363" y="1718625"/>
-            <a:ext cx="11491912" cy="3685863"/>
+            <a:off x="360363" y="1570557"/>
+            <a:ext cx="11491912" cy="3981999"/>
           </a:xfrm>
           <a:prstGeom prst="rect">
             <a:avLst/>
@@ -5079,7 +5111,7 @@
           <p:cNvPr id="3" name="Title 2">
             <a:extLst>
               <a:ext uri="{FF2B5EF4-FFF2-40B4-BE49-F238E27FC236}">
-                <a16:creationId xmlns:a16="http://schemas.microsoft.com/office/drawing/2014/main" id="{2F2DAE64-AFB7-E14D-BD57-3F9DD63EB329}"/>
+                <a16:creationId xmlns:a16="http://schemas.microsoft.com/office/drawing/2014/main" id="{A71E797D-F5DE-6748-8987-76D751CF2416}"/>
               </a:ext>
             </a:extLst>
           </p:cNvPr>
@@ -5107,7 +5139,7 @@
     </p:spTree>
     <p:extLst>
       <p:ext uri="{BB962C8B-B14F-4D97-AF65-F5344CB8AC3E}">
-        <p14:creationId xmlns:p14="http://schemas.microsoft.com/office/powerpoint/2010/main" val="2490624608"/>
+        <p14:creationId xmlns:p14="http://schemas.microsoft.com/office/powerpoint/2010/main" val="2741903249"/>
       </p:ext>
     </p:extLst>
   </p:cSld>
@@ -5139,7 +5171,7 @@
           <p:cNvPr id="4" name="Content Placeholder 3">
             <a:extLst>
               <a:ext uri="{FF2B5EF4-FFF2-40B4-BE49-F238E27FC236}">
-                <a16:creationId xmlns:a16="http://schemas.microsoft.com/office/drawing/2014/main" id="{18234435-A279-4F49-A539-4069CF0CAA5B}"/>
+                <a16:creationId xmlns:a16="http://schemas.microsoft.com/office/drawing/2014/main" id="{563FD342-8A04-DD46-9784-1A49078F3D15}"/>
               </a:ext>
             </a:extLst>
           </p:cNvPr>
@@ -5158,8 +5190,8 @@
         </p:blipFill>
         <p:spPr>
           <a:xfrm>
-            <a:off x="360363" y="1710276"/>
-            <a:ext cx="11491912" cy="3702561"/>
+            <a:off x="360363" y="1718625"/>
+            <a:ext cx="11491912" cy="3685863"/>
           </a:xfrm>
           <a:prstGeom prst="rect">
             <a:avLst/>
@@ -5171,7 +5203,7 @@
           <p:cNvPr id="3" name="Title 2">
             <a:extLst>
               <a:ext uri="{FF2B5EF4-FFF2-40B4-BE49-F238E27FC236}">
-                <a16:creationId xmlns:a16="http://schemas.microsoft.com/office/drawing/2014/main" id="{BFE2FBDD-AB37-8A49-AEE8-B6EAC0122FE4}"/>
+                <a16:creationId xmlns:a16="http://schemas.microsoft.com/office/drawing/2014/main" id="{2F2DAE64-AFB7-E14D-BD57-3F9DD63EB329}"/>
               </a:ext>
             </a:extLst>
           </p:cNvPr>
@@ -5199,7 +5231,7 @@
     </p:spTree>
     <p:extLst>
       <p:ext uri="{BB962C8B-B14F-4D97-AF65-F5344CB8AC3E}">
-        <p14:creationId xmlns:p14="http://schemas.microsoft.com/office/powerpoint/2010/main" val="3994462363"/>
+        <p14:creationId xmlns:p14="http://schemas.microsoft.com/office/powerpoint/2010/main" val="2490624608"/>
       </p:ext>
     </p:extLst>
   </p:cSld>
@@ -5231,7 +5263,7 @@
           <p:cNvPr id="4" name="Content Placeholder 3">
             <a:extLst>
               <a:ext uri="{FF2B5EF4-FFF2-40B4-BE49-F238E27FC236}">
-                <a16:creationId xmlns:a16="http://schemas.microsoft.com/office/drawing/2014/main" id="{F0BCFCCF-34FB-E242-98B5-FE8889D46A28}"/>
+                <a16:creationId xmlns:a16="http://schemas.microsoft.com/office/drawing/2014/main" id="{18234435-A279-4F49-A539-4069CF0CAA5B}"/>
               </a:ext>
             </a:extLst>
           </p:cNvPr>
@@ -5250,8 +5282,8 @@
         </p:blipFill>
         <p:spPr>
           <a:xfrm>
-            <a:off x="360363" y="1516983"/>
-            <a:ext cx="11491912" cy="4089146"/>
+            <a:off x="360363" y="1710276"/>
+            <a:ext cx="11491912" cy="3702561"/>
           </a:xfrm>
           <a:prstGeom prst="rect">
             <a:avLst/>
@@ -5263,7 +5295,7 @@
           <p:cNvPr id="3" name="Title 2">
             <a:extLst>
               <a:ext uri="{FF2B5EF4-FFF2-40B4-BE49-F238E27FC236}">
-                <a16:creationId xmlns:a16="http://schemas.microsoft.com/office/drawing/2014/main" id="{D6B04CA3-B514-7144-ADB6-13C5B36F0B33}"/>
+                <a16:creationId xmlns:a16="http://schemas.microsoft.com/office/drawing/2014/main" id="{BFE2FBDD-AB37-8A49-AEE8-B6EAC0122FE4}"/>
               </a:ext>
             </a:extLst>
           </p:cNvPr>
@@ -5291,7 +5323,7 @@
     </p:spTree>
     <p:extLst>
       <p:ext uri="{BB962C8B-B14F-4D97-AF65-F5344CB8AC3E}">
-        <p14:creationId xmlns:p14="http://schemas.microsoft.com/office/powerpoint/2010/main" val="1406627604"/>
+        <p14:creationId xmlns:p14="http://schemas.microsoft.com/office/powerpoint/2010/main" val="3994462363"/>
       </p:ext>
     </p:extLst>
   </p:cSld>
@@ -5320,10 +5352,10 @@
       </p:grpSpPr>
       <p:pic>
         <p:nvPicPr>
-          <p:cNvPr id="5" name="Content Placeholder 4">
+          <p:cNvPr id="4" name="Content Placeholder 3">
             <a:extLst>
               <a:ext uri="{FF2B5EF4-FFF2-40B4-BE49-F238E27FC236}">
-                <a16:creationId xmlns:a16="http://schemas.microsoft.com/office/drawing/2014/main" id="{9B7D6A9E-F21F-1248-87A3-BF59B9DAC8BD}"/>
+                <a16:creationId xmlns:a16="http://schemas.microsoft.com/office/drawing/2014/main" id="{F0BCFCCF-34FB-E242-98B5-FE8889D46A28}"/>
               </a:ext>
             </a:extLst>
           </p:cNvPr>
@@ -5342,8 +5374,8 @@
         </p:blipFill>
         <p:spPr>
           <a:xfrm>
-            <a:off x="5610800" y="1738367"/>
-            <a:ext cx="5930900" cy="2057400"/>
+            <a:off x="360363" y="1516983"/>
+            <a:ext cx="11491912" cy="4089146"/>
           </a:xfrm>
           <a:prstGeom prst="rect">
             <a:avLst/>
@@ -5355,7 +5387,7 @@
           <p:cNvPr id="3" name="Title 2">
             <a:extLst>
               <a:ext uri="{FF2B5EF4-FFF2-40B4-BE49-F238E27FC236}">
-                <a16:creationId xmlns:a16="http://schemas.microsoft.com/office/drawing/2014/main" id="{25A2FAA2-9576-2B43-AEE9-CAD8361EC36D}"/>
+                <a16:creationId xmlns:a16="http://schemas.microsoft.com/office/drawing/2014/main" id="{D6B04CA3-B514-7144-ADB6-13C5B36F0B33}"/>
               </a:ext>
             </a:extLst>
           </p:cNvPr>
@@ -5375,342 +5407,7 @@
           <a:p>
             <a:r>
               <a:rPr lang="en-KR"/>
-              <a:t>Chi-square minimization</a:t>
-            </a:r>
-          </a:p>
-        </p:txBody>
-      </p:sp>
-      <p:pic>
-        <p:nvPicPr>
-          <p:cNvPr id="4" name="Picture 3">
-            <a:extLst>
-              <a:ext uri="{FF2B5EF4-FFF2-40B4-BE49-F238E27FC236}">
-                <a16:creationId xmlns:a16="http://schemas.microsoft.com/office/drawing/2014/main" id="{2F78F0A0-373A-0E48-BD29-76A4C4B8F997}"/>
-              </a:ext>
-            </a:extLst>
-          </p:cNvPr>
-          <p:cNvPicPr>
-            <a:picLocks noChangeAspect="1"/>
-          </p:cNvPicPr>
-          <p:nvPr/>
-        </p:nvPicPr>
-        <p:blipFill>
-          <a:blip r:embed="rId3"/>
-          <a:stretch>
-            <a:fillRect/>
-          </a:stretch>
-        </p:blipFill>
-        <p:spPr>
-          <a:xfrm>
-            <a:off x="650300" y="1973755"/>
-            <a:ext cx="3848100" cy="1384300"/>
-          </a:xfrm>
-          <a:prstGeom prst="rect">
-            <a:avLst/>
-          </a:prstGeom>
-        </p:spPr>
-      </p:pic>
-      <p:pic>
-        <p:nvPicPr>
-          <p:cNvPr id="6" name="Picture 5">
-            <a:extLst>
-              <a:ext uri="{FF2B5EF4-FFF2-40B4-BE49-F238E27FC236}">
-                <a16:creationId xmlns:a16="http://schemas.microsoft.com/office/drawing/2014/main" id="{171FAF27-5E0D-D24E-B043-BB1884D8EC1F}"/>
-              </a:ext>
-            </a:extLst>
-          </p:cNvPr>
-          <p:cNvPicPr>
-            <a:picLocks noChangeAspect="1"/>
-          </p:cNvPicPr>
-          <p:nvPr/>
-        </p:nvPicPr>
-        <p:blipFill>
-          <a:blip r:embed="rId4"/>
-          <a:stretch>
-            <a:fillRect/>
-          </a:stretch>
-        </p:blipFill>
-        <p:spPr>
-          <a:xfrm>
-            <a:off x="7951294" y="4281157"/>
-            <a:ext cx="3289300" cy="990600"/>
-          </a:xfrm>
-          <a:prstGeom prst="rect">
-            <a:avLst/>
-          </a:prstGeom>
-        </p:spPr>
-      </p:pic>
-      <p:sp>
-        <p:nvSpPr>
-          <p:cNvPr id="7" name="TextBox 6">
-            <a:extLst>
-              <a:ext uri="{FF2B5EF4-FFF2-40B4-BE49-F238E27FC236}">
-                <a16:creationId xmlns:a16="http://schemas.microsoft.com/office/drawing/2014/main" id="{D69D021B-A4CE-0146-9EB2-9C45DA41D0C1}"/>
-              </a:ext>
-            </a:extLst>
-          </p:cNvPr>
-          <p:cNvSpPr txBox="1"/>
-          <p:nvPr/>
-        </p:nvSpPr>
-        <p:spPr>
-          <a:xfrm>
-            <a:off x="6381121" y="5572481"/>
-            <a:ext cx="5160579" cy="369332"/>
-          </a:xfrm>
-          <a:prstGeom prst="rect">
-            <a:avLst/>
-          </a:prstGeom>
-          <a:noFill/>
-        </p:spPr>
-        <p:txBody>
-          <a:bodyPr wrap="square" rtlCol="0">
-            <a:spAutoFit/>
-          </a:bodyPr>
-          <a:lstStyle/>
-          <a:p>
-            <a:r>
-              <a:rPr lang="en-KR">
-                <a:solidFill>
-                  <a:srgbClr val="FF0000"/>
-                </a:solidFill>
-              </a:rPr>
-              <a:t>maximize P(D|</a:t>
-            </a:r>
-            <a:r>
-              <a:rPr lang="el-GR">
-                <a:solidFill>
-                  <a:srgbClr val="FF0000"/>
-                </a:solidFill>
-              </a:rPr>
-              <a:t>θ</a:t>
-            </a:r>
-            <a:r>
-              <a:rPr lang="en-US">
-                <a:solidFill>
-                  <a:srgbClr val="FF0000"/>
-                </a:solidFill>
-              </a:rPr>
-              <a:t>, I) </a:t>
-            </a:r>
-            <a:r>
-              <a:rPr lang="en-US">
-                <a:solidFill>
-                  <a:srgbClr val="FF0000"/>
-                </a:solidFill>
-                <a:sym typeface="Wingdings" pitchFamily="2" charset="2"/>
-              </a:rPr>
-              <a:t>⇔ minimize </a:t>
-            </a:r>
-            <a:r>
-              <a:rPr lang="el-GR">
-                <a:solidFill>
-                  <a:srgbClr val="FF0000"/>
-                </a:solidFill>
-                <a:sym typeface="Wingdings" pitchFamily="2" charset="2"/>
-              </a:rPr>
-              <a:t>χ</a:t>
-            </a:r>
-            <a:r>
-              <a:rPr lang="el-GR" baseline="30000">
-                <a:solidFill>
-                  <a:srgbClr val="FF0000"/>
-                </a:solidFill>
-                <a:sym typeface="Wingdings" pitchFamily="2" charset="2"/>
-              </a:rPr>
-              <a:t>2</a:t>
-            </a:r>
-            <a:endParaRPr lang="en-KR" baseline="30000">
-              <a:solidFill>
-                <a:srgbClr val="FF0000"/>
-              </a:solidFill>
-            </a:endParaRPr>
-          </a:p>
-        </p:txBody>
-      </p:sp>
-      <p:sp>
-        <p:nvSpPr>
-          <p:cNvPr id="8" name="Oval 7">
-            <a:extLst>
-              <a:ext uri="{FF2B5EF4-FFF2-40B4-BE49-F238E27FC236}">
-                <a16:creationId xmlns:a16="http://schemas.microsoft.com/office/drawing/2014/main" id="{76FA0587-709F-4140-8281-30FA2A426165}"/>
-              </a:ext>
-            </a:extLst>
-          </p:cNvPr>
-          <p:cNvSpPr/>
-          <p:nvPr/>
-        </p:nvSpPr>
-        <p:spPr>
-          <a:xfrm>
-            <a:off x="2291255" y="2767067"/>
-            <a:ext cx="1156138" cy="590988"/>
-          </a:xfrm>
-          <a:prstGeom prst="ellipse">
-            <a:avLst/>
-          </a:prstGeom>
-          <a:solidFill>
-            <a:schemeClr val="accent1">
-              <a:alpha val="20000"/>
-            </a:schemeClr>
-          </a:solidFill>
-        </p:spPr>
-        <p:style>
-          <a:lnRef idx="2">
-            <a:schemeClr val="accent1">
-              <a:shade val="50000"/>
-            </a:schemeClr>
-          </a:lnRef>
-          <a:fillRef idx="1">
-            <a:schemeClr val="accent1"/>
-          </a:fillRef>
-          <a:effectRef idx="0">
-            <a:schemeClr val="accent1"/>
-          </a:effectRef>
-          <a:fontRef idx="minor">
-            <a:schemeClr val="lt1"/>
-          </a:fontRef>
-        </p:style>
-        <p:txBody>
-          <a:bodyPr rtlCol="0" anchor="ctr"/>
-          <a:lstStyle/>
-          <a:p>
-            <a:pPr algn="ctr"/>
-            <a:endParaRPr lang="en-KR"/>
-          </a:p>
-        </p:txBody>
-      </p:sp>
-      <p:sp>
-        <p:nvSpPr>
-          <p:cNvPr id="9" name="Oval 8">
-            <a:extLst>
-              <a:ext uri="{FF2B5EF4-FFF2-40B4-BE49-F238E27FC236}">
-                <a16:creationId xmlns:a16="http://schemas.microsoft.com/office/drawing/2014/main" id="{53274501-9D68-A043-A08D-84B4E816A0DD}"/>
-              </a:ext>
-            </a:extLst>
-          </p:cNvPr>
-          <p:cNvSpPr/>
-          <p:nvPr/>
-        </p:nvSpPr>
-        <p:spPr>
-          <a:xfrm>
-            <a:off x="6237178" y="1784811"/>
-            <a:ext cx="1714115" cy="590988"/>
-          </a:xfrm>
-          <a:prstGeom prst="ellipse">
-            <a:avLst/>
-          </a:prstGeom>
-          <a:solidFill>
-            <a:schemeClr val="accent1">
-              <a:alpha val="20000"/>
-            </a:schemeClr>
-          </a:solidFill>
-        </p:spPr>
-        <p:style>
-          <a:lnRef idx="2">
-            <a:schemeClr val="accent1">
-              <a:shade val="50000"/>
-            </a:schemeClr>
-          </a:lnRef>
-          <a:fillRef idx="1">
-            <a:schemeClr val="accent1"/>
-          </a:fillRef>
-          <a:effectRef idx="0">
-            <a:schemeClr val="accent1"/>
-          </a:effectRef>
-          <a:fontRef idx="minor">
-            <a:schemeClr val="lt1"/>
-          </a:fontRef>
-        </p:style>
-        <p:txBody>
-          <a:bodyPr rtlCol="0" anchor="ctr"/>
-          <a:lstStyle/>
-          <a:p>
-            <a:pPr algn="ctr"/>
-            <a:endParaRPr lang="en-KR"/>
-          </a:p>
-        </p:txBody>
-      </p:sp>
-      <p:sp>
-        <p:nvSpPr>
-          <p:cNvPr id="10" name="Oval 9">
-            <a:extLst>
-              <a:ext uri="{FF2B5EF4-FFF2-40B4-BE49-F238E27FC236}">
-                <a16:creationId xmlns:a16="http://schemas.microsoft.com/office/drawing/2014/main" id="{7A2E9DCC-FFD4-A04A-B800-D2869358DF71}"/>
-              </a:ext>
-            </a:extLst>
-          </p:cNvPr>
-          <p:cNvSpPr/>
-          <p:nvPr/>
-        </p:nvSpPr>
-        <p:spPr>
-          <a:xfrm>
-            <a:off x="6237178" y="3060995"/>
-            <a:ext cx="1559936" cy="590988"/>
-          </a:xfrm>
-          <a:prstGeom prst="ellipse">
-            <a:avLst/>
-          </a:prstGeom>
-          <a:solidFill>
-            <a:schemeClr val="accent1">
-              <a:alpha val="20000"/>
-            </a:schemeClr>
-          </a:solidFill>
-        </p:spPr>
-        <p:style>
-          <a:lnRef idx="2">
-            <a:schemeClr val="accent1">
-              <a:shade val="50000"/>
-            </a:schemeClr>
-          </a:lnRef>
-          <a:fillRef idx="1">
-            <a:schemeClr val="accent1"/>
-          </a:fillRef>
-          <a:effectRef idx="0">
-            <a:schemeClr val="accent1"/>
-          </a:effectRef>
-          <a:fontRef idx="minor">
-            <a:schemeClr val="lt1"/>
-          </a:fontRef>
-        </p:style>
-        <p:txBody>
-          <a:bodyPr rtlCol="0" anchor="ctr"/>
-          <a:lstStyle/>
-          <a:p>
-            <a:pPr algn="ctr"/>
-            <a:endParaRPr lang="en-KR"/>
-          </a:p>
-        </p:txBody>
-      </p:sp>
-      <p:sp>
-        <p:nvSpPr>
-          <p:cNvPr id="11" name="TextBox 10">
-            <a:extLst>
-              <a:ext uri="{FF2B5EF4-FFF2-40B4-BE49-F238E27FC236}">
-                <a16:creationId xmlns:a16="http://schemas.microsoft.com/office/drawing/2014/main" id="{89DD1EC7-F41E-9A44-879B-FAC5C515AEEC}"/>
-              </a:ext>
-            </a:extLst>
-          </p:cNvPr>
-          <p:cNvSpPr txBox="1"/>
-          <p:nvPr/>
-        </p:nvSpPr>
-        <p:spPr>
-          <a:xfrm>
-            <a:off x="6139355" y="2638606"/>
-            <a:ext cx="2533135" cy="369332"/>
-          </a:xfrm>
-          <a:prstGeom prst="rect">
-            <a:avLst/>
-          </a:prstGeom>
-          <a:noFill/>
-        </p:spPr>
-        <p:txBody>
-          <a:bodyPr wrap="square" rtlCol="0">
-            <a:spAutoFit/>
-          </a:bodyPr>
-          <a:lstStyle/>
-          <a:p>
-            <a:r>
-              <a:rPr lang="en-KR"/>
-              <a:t>taking natural log</a:t>
+              <a:t>Photon counting in astronomy</a:t>
             </a:r>
           </a:p>
         </p:txBody>
@@ -5718,7 +5415,7 @@
     </p:spTree>
     <p:extLst>
       <p:ext uri="{BB962C8B-B14F-4D97-AF65-F5344CB8AC3E}">
-        <p14:creationId xmlns:p14="http://schemas.microsoft.com/office/powerpoint/2010/main" val="3135582046"/>
+        <p14:creationId xmlns:p14="http://schemas.microsoft.com/office/powerpoint/2010/main" val="1406627604"/>
       </p:ext>
     </p:extLst>
   </p:cSld>
@@ -5745,6 +5442,622 @@
           <a:chExt cx="0" cy="0"/>
         </a:xfrm>
       </p:grpSpPr>
+      <p:pic>
+        <p:nvPicPr>
+          <p:cNvPr id="5" name="Content Placeholder 4">
+            <a:extLst>
+              <a:ext uri="{FF2B5EF4-FFF2-40B4-BE49-F238E27FC236}">
+                <a16:creationId xmlns:a16="http://schemas.microsoft.com/office/drawing/2014/main" id="{9B7D6A9E-F21F-1248-87A3-BF59B9DAC8BD}"/>
+              </a:ext>
+            </a:extLst>
+          </p:cNvPr>
+          <p:cNvPicPr>
+            <a:picLocks noGrp="1" noChangeAspect="1"/>
+          </p:cNvPicPr>
+          <p:nvPr>
+            <p:ph idx="1"/>
+          </p:nvPr>
+        </p:nvPicPr>
+        <p:blipFill>
+          <a:blip r:embed="rId2"/>
+          <a:stretch>
+            <a:fillRect/>
+          </a:stretch>
+        </p:blipFill>
+        <p:spPr>
+          <a:xfrm>
+            <a:off x="5610800" y="1738367"/>
+            <a:ext cx="5930900" cy="2057400"/>
+          </a:xfrm>
+          <a:prstGeom prst="rect">
+            <a:avLst/>
+          </a:prstGeom>
+        </p:spPr>
+      </p:pic>
+      <p:sp>
+        <p:nvSpPr>
+          <p:cNvPr id="3" name="Title 2">
+            <a:extLst>
+              <a:ext uri="{FF2B5EF4-FFF2-40B4-BE49-F238E27FC236}">
+                <a16:creationId xmlns:a16="http://schemas.microsoft.com/office/drawing/2014/main" id="{25A2FAA2-9576-2B43-AEE9-CAD8361EC36D}"/>
+              </a:ext>
+            </a:extLst>
+          </p:cNvPr>
+          <p:cNvSpPr>
+            <a:spLocks noGrp="1"/>
+          </p:cNvSpPr>
+          <p:nvPr>
+            <p:ph type="title"/>
+          </p:nvPr>
+        </p:nvSpPr>
+        <p:spPr/>
+        <p:txBody>
+          <a:bodyPr>
+            <a:normAutofit fontScale="90000"/>
+          </a:bodyPr>
+          <a:lstStyle/>
+          <a:p>
+            <a:r>
+              <a:rPr lang="en-KR"/>
+              <a:t>Chi-square minimization</a:t>
+            </a:r>
+          </a:p>
+        </p:txBody>
+      </p:sp>
+      <p:pic>
+        <p:nvPicPr>
+          <p:cNvPr id="4" name="Picture 3">
+            <a:extLst>
+              <a:ext uri="{FF2B5EF4-FFF2-40B4-BE49-F238E27FC236}">
+                <a16:creationId xmlns:a16="http://schemas.microsoft.com/office/drawing/2014/main" id="{2F78F0A0-373A-0E48-BD29-76A4C4B8F997}"/>
+              </a:ext>
+            </a:extLst>
+          </p:cNvPr>
+          <p:cNvPicPr>
+            <a:picLocks noChangeAspect="1"/>
+          </p:cNvPicPr>
+          <p:nvPr/>
+        </p:nvPicPr>
+        <p:blipFill>
+          <a:blip r:embed="rId3"/>
+          <a:stretch>
+            <a:fillRect/>
+          </a:stretch>
+        </p:blipFill>
+        <p:spPr>
+          <a:xfrm>
+            <a:off x="650300" y="1973755"/>
+            <a:ext cx="3848100" cy="1384300"/>
+          </a:xfrm>
+          <a:prstGeom prst="rect">
+            <a:avLst/>
+          </a:prstGeom>
+        </p:spPr>
+      </p:pic>
+      <p:pic>
+        <p:nvPicPr>
+          <p:cNvPr id="6" name="Picture 5">
+            <a:extLst>
+              <a:ext uri="{FF2B5EF4-FFF2-40B4-BE49-F238E27FC236}">
+                <a16:creationId xmlns:a16="http://schemas.microsoft.com/office/drawing/2014/main" id="{171FAF27-5E0D-D24E-B043-BB1884D8EC1F}"/>
+              </a:ext>
+            </a:extLst>
+          </p:cNvPr>
+          <p:cNvPicPr>
+            <a:picLocks noChangeAspect="1"/>
+          </p:cNvPicPr>
+          <p:nvPr/>
+        </p:nvPicPr>
+        <p:blipFill>
+          <a:blip r:embed="rId4"/>
+          <a:stretch>
+            <a:fillRect/>
+          </a:stretch>
+        </p:blipFill>
+        <p:spPr>
+          <a:xfrm>
+            <a:off x="7951294" y="4281157"/>
+            <a:ext cx="3289300" cy="990600"/>
+          </a:xfrm>
+          <a:prstGeom prst="rect">
+            <a:avLst/>
+          </a:prstGeom>
+        </p:spPr>
+      </p:pic>
+      <p:sp>
+        <p:nvSpPr>
+          <p:cNvPr id="7" name="TextBox 6">
+            <a:extLst>
+              <a:ext uri="{FF2B5EF4-FFF2-40B4-BE49-F238E27FC236}">
+                <a16:creationId xmlns:a16="http://schemas.microsoft.com/office/drawing/2014/main" id="{D69D021B-A4CE-0146-9EB2-9C45DA41D0C1}"/>
+              </a:ext>
+            </a:extLst>
+          </p:cNvPr>
+          <p:cNvSpPr txBox="1"/>
+          <p:nvPr/>
+        </p:nvSpPr>
+        <p:spPr>
+          <a:xfrm>
+            <a:off x="9169880" y="5360641"/>
+            <a:ext cx="1673081" cy="830997"/>
+          </a:xfrm>
+          <a:prstGeom prst="rect">
+            <a:avLst/>
+          </a:prstGeom>
+          <a:noFill/>
+        </p:spPr>
+        <p:txBody>
+          <a:bodyPr wrap="square" rtlCol="0">
+            <a:spAutoFit/>
+          </a:bodyPr>
+          <a:lstStyle/>
+          <a:p>
+            <a:pPr algn="ctr"/>
+            <a:r>
+              <a:rPr lang="en-US" sz="2400">
+                <a:solidFill>
+                  <a:srgbClr val="FF0000"/>
+                </a:solidFill>
+                <a:latin typeface="+mj-lt"/>
+                <a:sym typeface="Wingdings" pitchFamily="2" charset="2"/>
+              </a:rPr>
+              <a:t>minimize </a:t>
+            </a:r>
+          </a:p>
+          <a:p>
+            <a:pPr algn="ctr"/>
+            <a:r>
+              <a:rPr lang="el-GR" sz="2400">
+                <a:solidFill>
+                  <a:srgbClr val="FF0000"/>
+                </a:solidFill>
+                <a:latin typeface="+mj-lt"/>
+                <a:sym typeface="Wingdings" pitchFamily="2" charset="2"/>
+              </a:rPr>
+              <a:t>χ</a:t>
+            </a:r>
+            <a:r>
+              <a:rPr lang="el-GR" sz="2400" baseline="30000">
+                <a:solidFill>
+                  <a:srgbClr val="FF0000"/>
+                </a:solidFill>
+                <a:latin typeface="+mj-lt"/>
+                <a:sym typeface="Wingdings" pitchFamily="2" charset="2"/>
+              </a:rPr>
+              <a:t>2</a:t>
+            </a:r>
+            <a:endParaRPr lang="en-KR" sz="2400" baseline="30000">
+              <a:solidFill>
+                <a:srgbClr val="FF0000"/>
+              </a:solidFill>
+              <a:latin typeface="+mj-lt"/>
+            </a:endParaRPr>
+          </a:p>
+        </p:txBody>
+      </p:sp>
+      <p:sp>
+        <p:nvSpPr>
+          <p:cNvPr id="8" name="Oval 7">
+            <a:extLst>
+              <a:ext uri="{FF2B5EF4-FFF2-40B4-BE49-F238E27FC236}">
+                <a16:creationId xmlns:a16="http://schemas.microsoft.com/office/drawing/2014/main" id="{76FA0587-709F-4140-8281-30FA2A426165}"/>
+              </a:ext>
+            </a:extLst>
+          </p:cNvPr>
+          <p:cNvSpPr/>
+          <p:nvPr/>
+        </p:nvSpPr>
+        <p:spPr>
+          <a:xfrm>
+            <a:off x="2291255" y="2767067"/>
+            <a:ext cx="1156138" cy="590988"/>
+          </a:xfrm>
+          <a:prstGeom prst="ellipse">
+            <a:avLst/>
+          </a:prstGeom>
+          <a:solidFill>
+            <a:schemeClr val="accent1">
+              <a:alpha val="20000"/>
+            </a:schemeClr>
+          </a:solidFill>
+        </p:spPr>
+        <p:style>
+          <a:lnRef idx="2">
+            <a:schemeClr val="accent1">
+              <a:shade val="50000"/>
+            </a:schemeClr>
+          </a:lnRef>
+          <a:fillRef idx="1">
+            <a:schemeClr val="accent1"/>
+          </a:fillRef>
+          <a:effectRef idx="0">
+            <a:schemeClr val="accent1"/>
+          </a:effectRef>
+          <a:fontRef idx="minor">
+            <a:schemeClr val="lt1"/>
+          </a:fontRef>
+        </p:style>
+        <p:txBody>
+          <a:bodyPr rtlCol="0" anchor="ctr"/>
+          <a:lstStyle/>
+          <a:p>
+            <a:pPr algn="ctr"/>
+            <a:endParaRPr lang="en-KR"/>
+          </a:p>
+        </p:txBody>
+      </p:sp>
+      <p:sp>
+        <p:nvSpPr>
+          <p:cNvPr id="9" name="Oval 8">
+            <a:extLst>
+              <a:ext uri="{FF2B5EF4-FFF2-40B4-BE49-F238E27FC236}">
+                <a16:creationId xmlns:a16="http://schemas.microsoft.com/office/drawing/2014/main" id="{53274501-9D68-A043-A08D-84B4E816A0DD}"/>
+              </a:ext>
+            </a:extLst>
+          </p:cNvPr>
+          <p:cNvSpPr/>
+          <p:nvPr/>
+        </p:nvSpPr>
+        <p:spPr>
+          <a:xfrm>
+            <a:off x="6237178" y="1784811"/>
+            <a:ext cx="1714115" cy="590988"/>
+          </a:xfrm>
+          <a:prstGeom prst="ellipse">
+            <a:avLst/>
+          </a:prstGeom>
+          <a:solidFill>
+            <a:schemeClr val="accent1">
+              <a:alpha val="20000"/>
+            </a:schemeClr>
+          </a:solidFill>
+        </p:spPr>
+        <p:style>
+          <a:lnRef idx="2">
+            <a:schemeClr val="accent1">
+              <a:shade val="50000"/>
+            </a:schemeClr>
+          </a:lnRef>
+          <a:fillRef idx="1">
+            <a:schemeClr val="accent1"/>
+          </a:fillRef>
+          <a:effectRef idx="0">
+            <a:schemeClr val="accent1"/>
+          </a:effectRef>
+          <a:fontRef idx="minor">
+            <a:schemeClr val="lt1"/>
+          </a:fontRef>
+        </p:style>
+        <p:txBody>
+          <a:bodyPr rtlCol="0" anchor="ctr"/>
+          <a:lstStyle/>
+          <a:p>
+            <a:pPr algn="ctr"/>
+            <a:endParaRPr lang="en-KR"/>
+          </a:p>
+        </p:txBody>
+      </p:sp>
+      <p:sp>
+        <p:nvSpPr>
+          <p:cNvPr id="10" name="Oval 9">
+            <a:extLst>
+              <a:ext uri="{FF2B5EF4-FFF2-40B4-BE49-F238E27FC236}">
+                <a16:creationId xmlns:a16="http://schemas.microsoft.com/office/drawing/2014/main" id="{7A2E9DCC-FFD4-A04A-B800-D2869358DF71}"/>
+              </a:ext>
+            </a:extLst>
+          </p:cNvPr>
+          <p:cNvSpPr/>
+          <p:nvPr/>
+        </p:nvSpPr>
+        <p:spPr>
+          <a:xfrm>
+            <a:off x="6237178" y="3060995"/>
+            <a:ext cx="1559936" cy="590988"/>
+          </a:xfrm>
+          <a:prstGeom prst="ellipse">
+            <a:avLst/>
+          </a:prstGeom>
+          <a:solidFill>
+            <a:schemeClr val="accent1">
+              <a:alpha val="20000"/>
+            </a:schemeClr>
+          </a:solidFill>
+        </p:spPr>
+        <p:style>
+          <a:lnRef idx="2">
+            <a:schemeClr val="accent1">
+              <a:shade val="50000"/>
+            </a:schemeClr>
+          </a:lnRef>
+          <a:fillRef idx="1">
+            <a:schemeClr val="accent1"/>
+          </a:fillRef>
+          <a:effectRef idx="0">
+            <a:schemeClr val="accent1"/>
+          </a:effectRef>
+          <a:fontRef idx="minor">
+            <a:schemeClr val="lt1"/>
+          </a:fontRef>
+        </p:style>
+        <p:txBody>
+          <a:bodyPr rtlCol="0" anchor="ctr"/>
+          <a:lstStyle/>
+          <a:p>
+            <a:pPr algn="ctr"/>
+            <a:endParaRPr lang="en-KR"/>
+          </a:p>
+        </p:txBody>
+      </p:sp>
+      <p:sp>
+        <p:nvSpPr>
+          <p:cNvPr id="11" name="TextBox 10">
+            <a:extLst>
+              <a:ext uri="{FF2B5EF4-FFF2-40B4-BE49-F238E27FC236}">
+                <a16:creationId xmlns:a16="http://schemas.microsoft.com/office/drawing/2014/main" id="{89DD1EC7-F41E-9A44-879B-FAC5C515AEEC}"/>
+              </a:ext>
+            </a:extLst>
+          </p:cNvPr>
+          <p:cNvSpPr txBox="1"/>
+          <p:nvPr/>
+        </p:nvSpPr>
+        <p:spPr>
+          <a:xfrm>
+            <a:off x="6139355" y="2638606"/>
+            <a:ext cx="2533135" cy="369332"/>
+          </a:xfrm>
+          <a:prstGeom prst="rect">
+            <a:avLst/>
+          </a:prstGeom>
+          <a:noFill/>
+        </p:spPr>
+        <p:txBody>
+          <a:bodyPr wrap="square" rtlCol="0">
+            <a:spAutoFit/>
+          </a:bodyPr>
+          <a:lstStyle/>
+          <a:p>
+            <a:r>
+              <a:rPr lang="en-KR"/>
+              <a:t>taking natural log</a:t>
+            </a:r>
+          </a:p>
+        </p:txBody>
+      </p:sp>
+      <p:sp>
+        <p:nvSpPr>
+          <p:cNvPr id="12" name="Rectangle 11">
+            <a:extLst>
+              <a:ext uri="{FF2B5EF4-FFF2-40B4-BE49-F238E27FC236}">
+                <a16:creationId xmlns:a16="http://schemas.microsoft.com/office/drawing/2014/main" id="{821EAECB-2320-8D4A-8DBE-CAFBA9905BFC}"/>
+              </a:ext>
+            </a:extLst>
+          </p:cNvPr>
+          <p:cNvSpPr/>
+          <p:nvPr/>
+        </p:nvSpPr>
+        <p:spPr>
+          <a:xfrm>
+            <a:off x="6358296" y="5360641"/>
+            <a:ext cx="1471877" cy="830997"/>
+          </a:xfrm>
+          <a:prstGeom prst="rect">
+            <a:avLst/>
+          </a:prstGeom>
+        </p:spPr>
+        <p:txBody>
+          <a:bodyPr wrap="none">
+            <a:spAutoFit/>
+          </a:bodyPr>
+          <a:lstStyle/>
+          <a:p>
+            <a:pPr algn="ctr"/>
+            <a:r>
+              <a:rPr lang="en-KR" sz="2400">
+                <a:solidFill>
+                  <a:srgbClr val="FF0000"/>
+                </a:solidFill>
+                <a:latin typeface="+mj-lt"/>
+              </a:rPr>
+              <a:t>maximize </a:t>
+            </a:r>
+          </a:p>
+          <a:p>
+            <a:pPr algn="ctr"/>
+            <a:r>
+              <a:rPr lang="en-KR" sz="2400">
+                <a:solidFill>
+                  <a:srgbClr val="FF0000"/>
+                </a:solidFill>
+                <a:latin typeface="+mj-lt"/>
+              </a:rPr>
+              <a:t>P(D|</a:t>
+            </a:r>
+            <a:r>
+              <a:rPr lang="el-GR" sz="2400">
+                <a:solidFill>
+                  <a:srgbClr val="FF0000"/>
+                </a:solidFill>
+                <a:latin typeface="+mj-lt"/>
+              </a:rPr>
+              <a:t>θ</a:t>
+            </a:r>
+            <a:r>
+              <a:rPr lang="en-US" sz="2400">
+                <a:solidFill>
+                  <a:srgbClr val="FF0000"/>
+                </a:solidFill>
+                <a:latin typeface="+mj-lt"/>
+              </a:rPr>
+              <a:t>, I) </a:t>
+            </a:r>
+            <a:endParaRPr lang="en-KR" sz="2400">
+              <a:latin typeface="+mj-lt"/>
+            </a:endParaRPr>
+          </a:p>
+        </p:txBody>
+      </p:sp>
+      <p:cxnSp>
+        <p:nvCxnSpPr>
+          <p:cNvPr id="14" name="Straight Arrow Connector 13">
+            <a:extLst>
+              <a:ext uri="{FF2B5EF4-FFF2-40B4-BE49-F238E27FC236}">
+                <a16:creationId xmlns:a16="http://schemas.microsoft.com/office/drawing/2014/main" id="{2B807DB3-0947-B942-A392-576824A4A47B}"/>
+              </a:ext>
+            </a:extLst>
+          </p:cNvPr>
+          <p:cNvCxnSpPr>
+            <a:stCxn id="12" idx="3"/>
+            <a:endCxn id="7" idx="1"/>
+          </p:cNvCxnSpPr>
+          <p:nvPr/>
+        </p:nvCxnSpPr>
+        <p:spPr>
+          <a:xfrm>
+            <a:off x="7830173" y="5776140"/>
+            <a:ext cx="1339707" cy="0"/>
+          </a:xfrm>
+          <a:prstGeom prst="straightConnector1">
+            <a:avLst/>
+          </a:prstGeom>
+          <a:ln w="127000">
+            <a:solidFill>
+              <a:srgbClr val="FF0000"/>
+            </a:solidFill>
+            <a:headEnd type="triangle"/>
+            <a:tailEnd type="triangle"/>
+          </a:ln>
+        </p:spPr>
+        <p:style>
+          <a:lnRef idx="1">
+            <a:schemeClr val="accent1"/>
+          </a:lnRef>
+          <a:fillRef idx="0">
+            <a:schemeClr val="accent1"/>
+          </a:fillRef>
+          <a:effectRef idx="0">
+            <a:schemeClr val="accent1"/>
+          </a:effectRef>
+          <a:fontRef idx="minor">
+            <a:schemeClr val="tx1"/>
+          </a:fontRef>
+        </p:style>
+      </p:cxnSp>
+    </p:spTree>
+    <p:extLst>
+      <p:ext uri="{BB962C8B-B14F-4D97-AF65-F5344CB8AC3E}">
+        <p14:creationId xmlns:p14="http://schemas.microsoft.com/office/powerpoint/2010/main" val="3135582046"/>
+      </p:ext>
+    </p:extLst>
+  </p:cSld>
+  <p:clrMapOvr>
+    <a:masterClrMapping/>
+  </p:clrMapOvr>
+</p:sld>
+</file>
+
+<file path=ppt/slides/slide17.xml><?xml version="1.0" encoding="utf-8"?>
+<p:sld xmlns:a="http://schemas.openxmlformats.org/drawingml/2006/main" xmlns:r="http://schemas.openxmlformats.org/officeDocument/2006/relationships" xmlns:p="http://schemas.openxmlformats.org/presentationml/2006/main">
+  <p:cSld>
+    <p:spTree>
+      <p:nvGrpSpPr>
+        <p:cNvPr id="1" name=""/>
+        <p:cNvGrpSpPr/>
+        <p:nvPr/>
+      </p:nvGrpSpPr>
+      <p:grpSpPr>
+        <a:xfrm>
+          <a:off x="0" y="0"/>
+          <a:ext cx="0" cy="0"/>
+          <a:chOff x="0" y="0"/>
+          <a:chExt cx="0" cy="0"/>
+        </a:xfrm>
+      </p:grpSpPr>
+      <p:sp>
+        <p:nvSpPr>
+          <p:cNvPr id="2" name="Title 1">
+            <a:extLst>
+              <a:ext uri="{FF2B5EF4-FFF2-40B4-BE49-F238E27FC236}">
+                <a16:creationId xmlns:a16="http://schemas.microsoft.com/office/drawing/2014/main" id="{EF72D56B-7554-6E49-82F9-875FEDCC80CB}"/>
+              </a:ext>
+            </a:extLst>
+          </p:cNvPr>
+          <p:cNvSpPr>
+            <a:spLocks noGrp="1"/>
+          </p:cNvSpPr>
+          <p:nvPr>
+            <p:ph type="title"/>
+          </p:nvPr>
+        </p:nvSpPr>
+        <p:spPr/>
+        <p:txBody>
+          <a:bodyPr/>
+          <a:lstStyle/>
+          <a:p>
+            <a:r>
+              <a:rPr lang="en-KR"/>
+              <a:t>AO2 – Some more</a:t>
+            </a:r>
+          </a:p>
+        </p:txBody>
+      </p:sp>
+      <p:sp>
+        <p:nvSpPr>
+          <p:cNvPr id="3" name="Text Placeholder 2">
+            <a:extLst>
+              <a:ext uri="{FF2B5EF4-FFF2-40B4-BE49-F238E27FC236}">
+                <a16:creationId xmlns:a16="http://schemas.microsoft.com/office/drawing/2014/main" id="{1E522987-449B-8A49-B233-8AAD2CBE6A7C}"/>
+              </a:ext>
+            </a:extLst>
+          </p:cNvPr>
+          <p:cNvSpPr>
+            <a:spLocks noGrp="1"/>
+          </p:cNvSpPr>
+          <p:nvPr>
+            <p:ph type="body" idx="1"/>
+          </p:nvPr>
+        </p:nvSpPr>
+        <p:spPr/>
+        <p:txBody>
+          <a:bodyPr/>
+          <a:lstStyle/>
+          <a:p>
+            <a:r>
+              <a:rPr lang="en-KR"/>
+              <a:t>Basic Bayesian</a:t>
+            </a:r>
+          </a:p>
+        </p:txBody>
+      </p:sp>
+    </p:spTree>
+    <p:extLst>
+      <p:ext uri="{BB962C8B-B14F-4D97-AF65-F5344CB8AC3E}">
+        <p14:creationId xmlns:p14="http://schemas.microsoft.com/office/powerpoint/2010/main" val="528784569"/>
+      </p:ext>
+    </p:extLst>
+  </p:cSld>
+  <p:clrMapOvr>
+    <a:masterClrMapping/>
+  </p:clrMapOvr>
+</p:sld>
+</file>
+
+<file path=ppt/slides/slide18.xml><?xml version="1.0" encoding="utf-8"?>
+<p:sld xmlns:a="http://schemas.openxmlformats.org/drawingml/2006/main" xmlns:r="http://schemas.openxmlformats.org/officeDocument/2006/relationships" xmlns:p="http://schemas.openxmlformats.org/presentationml/2006/main">
+  <p:cSld>
+    <p:spTree>
+      <p:nvGrpSpPr>
+        <p:cNvPr id="1" name=""/>
+        <p:cNvGrpSpPr/>
+        <p:nvPr/>
+      </p:nvGrpSpPr>
+      <p:grpSpPr>
+        <a:xfrm>
+          <a:off x="0" y="0"/>
+          <a:ext cx="0" cy="0"/>
+          <a:chOff x="0" y="0"/>
+          <a:chExt cx="0" cy="0"/>
+        </a:xfrm>
+      </p:grpSpPr>
       <p:sp>
         <p:nvSpPr>
           <p:cNvPr id="2" name="Content Placeholder 1">
@@ -5810,7 +6123,7 @@
 </p:sld>
 </file>
 
-<file path=ppt/slides/slide17.xml><?xml version="1.0" encoding="utf-8"?>
+<file path=ppt/slides/slide19.xml><?xml version="1.0" encoding="utf-8"?>
 <p:sld xmlns:a="http://schemas.openxmlformats.org/drawingml/2006/main" xmlns:r="http://schemas.openxmlformats.org/officeDocument/2006/relationships" xmlns:p="http://schemas.openxmlformats.org/presentationml/2006/main">
   <p:cSld>
     <p:spTree>
@@ -5963,7 +6276,10 @@
           </a:bodyPr>
           <a:lstStyle/>
           <a:p>
-            <a:endParaRPr lang="en-KR"/>
+            <a:r>
+              <a:rPr lang="en-KR"/>
+              <a:t>Note</a:t>
+            </a:r>
           </a:p>
         </p:txBody>
       </p:sp>
@@ -5997,6 +6313,92 @@
           <a:chExt cx="0" cy="0"/>
         </a:xfrm>
       </p:grpSpPr>
+      <p:sp>
+        <p:nvSpPr>
+          <p:cNvPr id="2" name="Title 1">
+            <a:extLst>
+              <a:ext uri="{FF2B5EF4-FFF2-40B4-BE49-F238E27FC236}">
+                <a16:creationId xmlns:a16="http://schemas.microsoft.com/office/drawing/2014/main" id="{4D987724-2CD6-1A49-9F2E-E825963009F7}"/>
+              </a:ext>
+            </a:extLst>
+          </p:cNvPr>
+          <p:cNvSpPr>
+            <a:spLocks noGrp="1"/>
+          </p:cNvSpPr>
+          <p:nvPr>
+            <p:ph type="title"/>
+          </p:nvPr>
+        </p:nvSpPr>
+        <p:spPr/>
+        <p:txBody>
+          <a:bodyPr/>
+          <a:lstStyle/>
+          <a:p>
+            <a:r>
+              <a:rPr lang="en-KR"/>
+              <a:t>AO1 – Basics </a:t>
+            </a:r>
+          </a:p>
+        </p:txBody>
+      </p:sp>
+      <p:sp>
+        <p:nvSpPr>
+          <p:cNvPr id="3" name="Text Placeholder 2">
+            <a:extLst>
+              <a:ext uri="{FF2B5EF4-FFF2-40B4-BE49-F238E27FC236}">
+                <a16:creationId xmlns:a16="http://schemas.microsoft.com/office/drawing/2014/main" id="{79C17965-BB5D-6D4E-BC84-D09D96633C7B}"/>
+              </a:ext>
+            </a:extLst>
+          </p:cNvPr>
+          <p:cNvSpPr>
+            <a:spLocks noGrp="1"/>
+          </p:cNvSpPr>
+          <p:nvPr>
+            <p:ph type="body" idx="1"/>
+          </p:nvPr>
+        </p:nvSpPr>
+        <p:spPr/>
+        <p:txBody>
+          <a:bodyPr/>
+          <a:lstStyle/>
+          <a:p>
+            <a:r>
+              <a:rPr lang="en-KR"/>
+              <a:t>Frequentist view</a:t>
+            </a:r>
+          </a:p>
+        </p:txBody>
+      </p:sp>
+    </p:spTree>
+    <p:extLst>
+      <p:ext uri="{BB962C8B-B14F-4D97-AF65-F5344CB8AC3E}">
+        <p14:creationId xmlns:p14="http://schemas.microsoft.com/office/powerpoint/2010/main" val="2500217423"/>
+      </p:ext>
+    </p:extLst>
+  </p:cSld>
+  <p:clrMapOvr>
+    <a:masterClrMapping/>
+  </p:clrMapOvr>
+</p:sld>
+</file>
+
+<file path=ppt/slides/slide4.xml><?xml version="1.0" encoding="utf-8"?>
+<p:sld xmlns:a="http://schemas.openxmlformats.org/drawingml/2006/main" xmlns:r="http://schemas.openxmlformats.org/officeDocument/2006/relationships" xmlns:p="http://schemas.openxmlformats.org/presentationml/2006/main">
+  <p:cSld>
+    <p:spTree>
+      <p:nvGrpSpPr>
+        <p:cNvPr id="1" name=""/>
+        <p:cNvGrpSpPr/>
+        <p:nvPr/>
+      </p:nvGrpSpPr>
+      <p:grpSpPr>
+        <a:xfrm>
+          <a:off x="0" y="0"/>
+          <a:ext cx="0" cy="0"/>
+          <a:chOff x="0" y="0"/>
+          <a:chExt cx="0" cy="0"/>
+        </a:xfrm>
+      </p:grpSpPr>
       <p:pic>
         <p:nvPicPr>
           <p:cNvPr id="5" name="Content Placeholder 4">
@@ -6102,7 +6504,7 @@
 </p:sld>
 </file>
 
-<file path=ppt/slides/slide4.xml><?xml version="1.0" encoding="utf-8"?>
+<file path=ppt/slides/slide5.xml><?xml version="1.0" encoding="utf-8"?>
 <p:sld xmlns:a="http://schemas.openxmlformats.org/drawingml/2006/main" xmlns:r="http://schemas.openxmlformats.org/officeDocument/2006/relationships" xmlns:p="http://schemas.openxmlformats.org/presentationml/2006/main">
   <p:cSld>
     <p:spTree>
@@ -6847,7 +7249,7 @@
 </p:sld>
 </file>
 
-<file path=ppt/slides/slide5.xml><?xml version="1.0" encoding="utf-8"?>
+<file path=ppt/slides/slide6.xml><?xml version="1.0" encoding="utf-8"?>
 <p:sld xmlns:a="http://schemas.openxmlformats.org/drawingml/2006/main" xmlns:r="http://schemas.openxmlformats.org/officeDocument/2006/relationships" xmlns:p="http://schemas.openxmlformats.org/presentationml/2006/main">
   <p:cSld>
     <p:spTree>
@@ -7357,7 +7759,7 @@
 </p:sld>
 </file>
 
-<file path=ppt/slides/slide6.xml><?xml version="1.0" encoding="utf-8"?>
+<file path=ppt/slides/slide7.xml><?xml version="1.0" encoding="utf-8"?>
 <p:sld xmlns:a="http://schemas.openxmlformats.org/drawingml/2006/main" xmlns:r="http://schemas.openxmlformats.org/officeDocument/2006/relationships" xmlns:p="http://schemas.openxmlformats.org/presentationml/2006/main">
   <p:cSld>
     <p:spTree>
@@ -7470,128 +7872,6 @@
     <p:extLst>
       <p:ext uri="{BB962C8B-B14F-4D97-AF65-F5344CB8AC3E}">
         <p14:creationId xmlns:p14="http://schemas.microsoft.com/office/powerpoint/2010/main" val="1873032022"/>
-      </p:ext>
-    </p:extLst>
-  </p:cSld>
-  <p:clrMapOvr>
-    <a:masterClrMapping/>
-  </p:clrMapOvr>
-</p:sld>
-</file>
-
-<file path=ppt/slides/slide7.xml><?xml version="1.0" encoding="utf-8"?>
-<p:sld xmlns:a="http://schemas.openxmlformats.org/drawingml/2006/main" xmlns:r="http://schemas.openxmlformats.org/officeDocument/2006/relationships" xmlns:p="http://schemas.openxmlformats.org/presentationml/2006/main">
-  <p:cSld>
-    <p:spTree>
-      <p:nvGrpSpPr>
-        <p:cNvPr id="1" name=""/>
-        <p:cNvGrpSpPr/>
-        <p:nvPr/>
-      </p:nvGrpSpPr>
-      <p:grpSpPr>
-        <a:xfrm>
-          <a:off x="0" y="0"/>
-          <a:ext cx="0" cy="0"/>
-          <a:chOff x="0" y="0"/>
-          <a:chExt cx="0" cy="0"/>
-        </a:xfrm>
-      </p:grpSpPr>
-      <p:pic>
-        <p:nvPicPr>
-          <p:cNvPr id="4" name="Content Placeholder 3">
-            <a:extLst>
-              <a:ext uri="{FF2B5EF4-FFF2-40B4-BE49-F238E27FC236}">
-                <a16:creationId xmlns:a16="http://schemas.microsoft.com/office/drawing/2014/main" id="{F380D4BB-AE2E-5340-944D-A83C789636B5}"/>
-              </a:ext>
-            </a:extLst>
-          </p:cNvPr>
-          <p:cNvPicPr>
-            <a:picLocks noGrp="1" noChangeAspect="1"/>
-          </p:cNvPicPr>
-          <p:nvPr>
-            <p:ph idx="1"/>
-          </p:nvPr>
-        </p:nvPicPr>
-        <p:blipFill>
-          <a:blip r:embed="rId2"/>
-          <a:stretch>
-            <a:fillRect/>
-          </a:stretch>
-        </p:blipFill>
-        <p:spPr>
-          <a:xfrm>
-            <a:off x="350044" y="883252"/>
-            <a:ext cx="11491912" cy="2245546"/>
-          </a:xfrm>
-          <a:prstGeom prst="rect">
-            <a:avLst/>
-          </a:prstGeom>
-        </p:spPr>
-      </p:pic>
-      <p:sp>
-        <p:nvSpPr>
-          <p:cNvPr id="3" name="Title 2">
-            <a:extLst>
-              <a:ext uri="{FF2B5EF4-FFF2-40B4-BE49-F238E27FC236}">
-                <a16:creationId xmlns:a16="http://schemas.microsoft.com/office/drawing/2014/main" id="{5B5BDEE7-F44C-6445-BF9A-ABAED688EB69}"/>
-              </a:ext>
-            </a:extLst>
-          </p:cNvPr>
-          <p:cNvSpPr>
-            <a:spLocks noGrp="1"/>
-          </p:cNvSpPr>
-          <p:nvPr>
-            <p:ph type="title"/>
-          </p:nvPr>
-        </p:nvSpPr>
-        <p:spPr/>
-        <p:txBody>
-          <a:bodyPr>
-            <a:normAutofit fontScale="90000"/>
-          </a:bodyPr>
-          <a:lstStyle/>
-          <a:p>
-            <a:r>
-              <a:rPr lang="en-KR"/>
-              <a:t>Poisson process/distribution</a:t>
-            </a:r>
-          </a:p>
-        </p:txBody>
-      </p:sp>
-      <p:pic>
-        <p:nvPicPr>
-          <p:cNvPr id="5" name="Picture 4">
-            <a:extLst>
-              <a:ext uri="{FF2B5EF4-FFF2-40B4-BE49-F238E27FC236}">
-                <a16:creationId xmlns:a16="http://schemas.microsoft.com/office/drawing/2014/main" id="{881C415C-26D2-AD42-8043-9880ABF4A62D}"/>
-              </a:ext>
-            </a:extLst>
-          </p:cNvPr>
-          <p:cNvPicPr>
-            <a:picLocks noChangeAspect="1"/>
-          </p:cNvPicPr>
-          <p:nvPr/>
-        </p:nvPicPr>
-        <p:blipFill>
-          <a:blip r:embed="rId3"/>
-          <a:stretch>
-            <a:fillRect/>
-          </a:stretch>
-        </p:blipFill>
-        <p:spPr>
-          <a:xfrm>
-            <a:off x="700087" y="3641493"/>
-            <a:ext cx="10699531" cy="1951417"/>
-          </a:xfrm>
-          <a:prstGeom prst="rect">
-            <a:avLst/>
-          </a:prstGeom>
-        </p:spPr>
-      </p:pic>
-    </p:spTree>
-    <p:extLst>
-      <p:ext uri="{BB962C8B-B14F-4D97-AF65-F5344CB8AC3E}">
-        <p14:creationId xmlns:p14="http://schemas.microsoft.com/office/powerpoint/2010/main" val="3412818575"/>
       </p:ext>
     </p:extLst>
   </p:cSld>
@@ -7623,7 +7903,7 @@
           <p:cNvPr id="4" name="Content Placeholder 3">
             <a:extLst>
               <a:ext uri="{FF2B5EF4-FFF2-40B4-BE49-F238E27FC236}">
-                <a16:creationId xmlns:a16="http://schemas.microsoft.com/office/drawing/2014/main" id="{F0A75517-FD66-1446-B560-0A27BD11429E}"/>
+                <a16:creationId xmlns:a16="http://schemas.microsoft.com/office/drawing/2014/main" id="{F380D4BB-AE2E-5340-944D-A83C789636B5}"/>
               </a:ext>
             </a:extLst>
           </p:cNvPr>
@@ -7642,8 +7922,8 @@
         </p:blipFill>
         <p:spPr>
           <a:xfrm>
-            <a:off x="360363" y="1628720"/>
-            <a:ext cx="11491912" cy="3865673"/>
+            <a:off x="350044" y="883252"/>
+            <a:ext cx="11491912" cy="2245546"/>
           </a:xfrm>
           <a:prstGeom prst="rect">
             <a:avLst/>
@@ -7655,7 +7935,7 @@
           <p:cNvPr id="3" name="Title 2">
             <a:extLst>
               <a:ext uri="{FF2B5EF4-FFF2-40B4-BE49-F238E27FC236}">
-                <a16:creationId xmlns:a16="http://schemas.microsoft.com/office/drawing/2014/main" id="{B80F0672-4FF1-D94B-AA47-80D48EA04A8E}"/>
+                <a16:creationId xmlns:a16="http://schemas.microsoft.com/office/drawing/2014/main" id="{5B5BDEE7-F44C-6445-BF9A-ABAED688EB69}"/>
               </a:ext>
             </a:extLst>
           </p:cNvPr>
@@ -7680,10 +7960,40 @@
           </a:p>
         </p:txBody>
       </p:sp>
+      <p:pic>
+        <p:nvPicPr>
+          <p:cNvPr id="5" name="Picture 4">
+            <a:extLst>
+              <a:ext uri="{FF2B5EF4-FFF2-40B4-BE49-F238E27FC236}">
+                <a16:creationId xmlns:a16="http://schemas.microsoft.com/office/drawing/2014/main" id="{881C415C-26D2-AD42-8043-9880ABF4A62D}"/>
+              </a:ext>
+            </a:extLst>
+          </p:cNvPr>
+          <p:cNvPicPr>
+            <a:picLocks noChangeAspect="1"/>
+          </p:cNvPicPr>
+          <p:nvPr/>
+        </p:nvPicPr>
+        <p:blipFill>
+          <a:blip r:embed="rId3"/>
+          <a:stretch>
+            <a:fillRect/>
+          </a:stretch>
+        </p:blipFill>
+        <p:spPr>
+          <a:xfrm>
+            <a:off x="700087" y="3641493"/>
+            <a:ext cx="10699531" cy="1951417"/>
+          </a:xfrm>
+          <a:prstGeom prst="rect">
+            <a:avLst/>
+          </a:prstGeom>
+        </p:spPr>
+      </p:pic>
     </p:spTree>
     <p:extLst>
       <p:ext uri="{BB962C8B-B14F-4D97-AF65-F5344CB8AC3E}">
-        <p14:creationId xmlns:p14="http://schemas.microsoft.com/office/powerpoint/2010/main" val="4015301661"/>
+        <p14:creationId xmlns:p14="http://schemas.microsoft.com/office/powerpoint/2010/main" val="3412818575"/>
       </p:ext>
     </p:extLst>
   </p:cSld>
@@ -7715,7 +8025,7 @@
           <p:cNvPr id="4" name="Content Placeholder 3">
             <a:extLst>
               <a:ext uri="{FF2B5EF4-FFF2-40B4-BE49-F238E27FC236}">
-                <a16:creationId xmlns:a16="http://schemas.microsoft.com/office/drawing/2014/main" id="{052F0AB5-FCED-DB4C-86AF-324CE869AE44}"/>
+                <a16:creationId xmlns:a16="http://schemas.microsoft.com/office/drawing/2014/main" id="{F0A75517-FD66-1446-B560-0A27BD11429E}"/>
               </a:ext>
             </a:extLst>
           </p:cNvPr>
@@ -7734,8 +8044,8 @@
         </p:blipFill>
         <p:spPr>
           <a:xfrm>
-            <a:off x="339080" y="757677"/>
-            <a:ext cx="11491912" cy="1813273"/>
+            <a:off x="360363" y="1628720"/>
+            <a:ext cx="11491912" cy="3865673"/>
           </a:xfrm>
           <a:prstGeom prst="rect">
             <a:avLst/>
@@ -7747,7 +8057,7 @@
           <p:cNvPr id="3" name="Title 2">
             <a:extLst>
               <a:ext uri="{FF2B5EF4-FFF2-40B4-BE49-F238E27FC236}">
-                <a16:creationId xmlns:a16="http://schemas.microsoft.com/office/drawing/2014/main" id="{48E28A67-5EEB-5F4D-9511-12FF47D8BEA5}"/>
+                <a16:creationId xmlns:a16="http://schemas.microsoft.com/office/drawing/2014/main" id="{B80F0672-4FF1-D94B-AA47-80D48EA04A8E}"/>
               </a:ext>
             </a:extLst>
           </p:cNvPr>
@@ -7767,45 +8077,15 @@
           <a:p>
             <a:r>
               <a:rPr lang="en-KR"/>
-              <a:t>Relationships</a:t>
-            </a:r>
-          </a:p>
-        </p:txBody>
-      </p:sp>
-      <p:pic>
-        <p:nvPicPr>
-          <p:cNvPr id="5" name="Picture 4">
-            <a:extLst>
-              <a:ext uri="{FF2B5EF4-FFF2-40B4-BE49-F238E27FC236}">
-                <a16:creationId xmlns:a16="http://schemas.microsoft.com/office/drawing/2014/main" id="{4830C79D-4168-4F4C-8A1C-DD0617F5DE8D}"/>
-              </a:ext>
-            </a:extLst>
-          </p:cNvPr>
-          <p:cNvPicPr>
-            <a:picLocks noChangeAspect="1"/>
-          </p:cNvPicPr>
-          <p:nvPr/>
-        </p:nvPicPr>
-        <p:blipFill>
-          <a:blip r:embed="rId3"/>
-          <a:stretch>
-            <a:fillRect/>
-          </a:stretch>
-        </p:blipFill>
-        <p:spPr>
-          <a:xfrm>
-            <a:off x="213409" y="2492248"/>
-            <a:ext cx="11818715" cy="4171311"/>
-          </a:xfrm>
-          <a:prstGeom prst="rect">
-            <a:avLst/>
-          </a:prstGeom>
-        </p:spPr>
-      </p:pic>
+              <a:t>Poisson process/distribution</a:t>
+            </a:r>
+          </a:p>
+        </p:txBody>
+      </p:sp>
     </p:spTree>
     <p:extLst>
       <p:ext uri="{BB962C8B-B14F-4D97-AF65-F5344CB8AC3E}">
-        <p14:creationId xmlns:p14="http://schemas.microsoft.com/office/powerpoint/2010/main" val="1306695883"/>
+        <p14:creationId xmlns:p14="http://schemas.microsoft.com/office/powerpoint/2010/main" val="4015301661"/>
       </p:ext>
     </p:extLst>
   </p:cSld>
